--- a/Prezentacija/Prepoznavanje_raka_pluca_i_debelog_crijeva.pptx
+++ b/Prezentacija/Prepoznavanje_raka_pluca_i_debelog_crijeva.pptx
@@ -5933,15 +5933,15 @@
               <a:buChar char="•"/>
             </a:pPr>
             <a:r>
-              <a:rPr lang="hr-HR" sz="2200" dirty="0"/>
+              <a:rPr lang="hr-HR" sz="2400" dirty="0"/>
               <a:t> ResNet50</a:t>
             </a:r>
             <a:r>
-              <a:rPr lang="en-US" sz="2200" dirty="0"/>
+              <a:rPr lang="en-US" sz="2400" dirty="0"/>
               <a:t>: </a:t>
             </a:r>
             <a:r>
-              <a:rPr lang="hr-HR" sz="2200" dirty="0"/>
+              <a:rPr lang="hr-HR" sz="2400" dirty="0"/>
               <a:t>najbolji po svim mjerama dobrote (točnost, preciznost, F1, specifičnost)</a:t>
             </a:r>
           </a:p>
@@ -5951,7 +5951,7 @@
               <a:buChar char="•"/>
             </a:pPr>
             <a:r>
-              <a:rPr lang="hr-HR" sz="2200" dirty="0"/>
+              <a:rPr lang="hr-HR" sz="2400" dirty="0"/>
               <a:t> MobileNetV2: drugi najbolji po svim mjerama dobrote, s oko 2.6 milijuna parametara (naspram oko 50 milijuna za ResNet50 i oko 60 milijuna za AlexNet)</a:t>
             </a:r>
           </a:p>

--- a/Prezentacija/Prepoznavanje_raka_pluca_i_debelog_crijeva.pptx
+++ b/Prezentacija/Prepoznavanje_raka_pluca_i_debelog_crijeva.pptx
@@ -8,25 +8,21 @@
     <p:sldId id="256" r:id="rId2"/>
     <p:sldId id="257" r:id="rId3"/>
     <p:sldId id="258" r:id="rId4"/>
-    <p:sldId id="272" r:id="rId5"/>
-    <p:sldId id="259" r:id="rId6"/>
-    <p:sldId id="260" r:id="rId7"/>
-    <p:sldId id="261" r:id="rId8"/>
-    <p:sldId id="262" r:id="rId9"/>
-    <p:sldId id="274" r:id="rId10"/>
-    <p:sldId id="273" r:id="rId11"/>
-    <p:sldId id="263" r:id="rId12"/>
-    <p:sldId id="275" r:id="rId13"/>
-    <p:sldId id="264" r:id="rId14"/>
-    <p:sldId id="265" r:id="rId15"/>
-    <p:sldId id="276" r:id="rId16"/>
-    <p:sldId id="267" r:id="rId17"/>
-    <p:sldId id="268" r:id="rId18"/>
-    <p:sldId id="277" r:id="rId19"/>
-    <p:sldId id="269" r:id="rId20"/>
-    <p:sldId id="278" r:id="rId21"/>
-    <p:sldId id="271" r:id="rId22"/>
-    <p:sldId id="270" r:id="rId23"/>
+    <p:sldId id="259" r:id="rId5"/>
+    <p:sldId id="260" r:id="rId6"/>
+    <p:sldId id="261" r:id="rId7"/>
+    <p:sldId id="262" r:id="rId8"/>
+    <p:sldId id="274" r:id="rId9"/>
+    <p:sldId id="273" r:id="rId10"/>
+    <p:sldId id="263" r:id="rId11"/>
+    <p:sldId id="275" r:id="rId12"/>
+    <p:sldId id="264" r:id="rId13"/>
+    <p:sldId id="267" r:id="rId14"/>
+    <p:sldId id="268" r:id="rId15"/>
+    <p:sldId id="277" r:id="rId16"/>
+    <p:sldId id="278" r:id="rId17"/>
+    <p:sldId id="271" r:id="rId18"/>
+    <p:sldId id="270" r:id="rId19"/>
   </p:sldIdLst>
   <p:sldSz cx="12192000" cy="6858000"/>
   <p:notesSz cx="6858000" cy="9144000"/>
@@ -4106,203 +4102,6 @@
           <p:cNvPr id="2" name="Title 1">
             <a:extLst>
               <a:ext uri="{FF2B5EF4-FFF2-40B4-BE49-F238E27FC236}">
-                <a16:creationId xmlns:a16="http://schemas.microsoft.com/office/drawing/2014/main" id="{B8BD7227-55B5-96B7-382D-7212D9E4A5E7}"/>
-              </a:ext>
-            </a:extLst>
-          </p:cNvPr>
-          <p:cNvSpPr>
-            <a:spLocks noGrp="1"/>
-          </p:cNvSpPr>
-          <p:nvPr>
-            <p:ph type="title"/>
-          </p:nvPr>
-        </p:nvSpPr>
-        <p:spPr/>
-        <p:txBody>
-          <a:bodyPr/>
-          <a:lstStyle/>
-          <a:p>
-            <a:r>
-              <a:rPr lang="hr-HR" dirty="0"/>
-              <a:t>ResNet50</a:t>
-            </a:r>
-          </a:p>
-        </p:txBody>
-      </p:sp>
-      <p:sp>
-        <p:nvSpPr>
-          <p:cNvPr id="3" name="Content Placeholder 2">
-            <a:extLst>
-              <a:ext uri="{FF2B5EF4-FFF2-40B4-BE49-F238E27FC236}">
-                <a16:creationId xmlns:a16="http://schemas.microsoft.com/office/drawing/2014/main" id="{7B50F27A-7071-992F-3781-58C1E330527F}"/>
-              </a:ext>
-            </a:extLst>
-          </p:cNvPr>
-          <p:cNvSpPr>
-            <a:spLocks noGrp="1"/>
-          </p:cNvSpPr>
-          <p:nvPr>
-            <p:ph sz="half" idx="1"/>
-          </p:nvPr>
-        </p:nvSpPr>
-        <p:spPr/>
-        <p:txBody>
-          <a:bodyPr>
-            <a:normAutofit/>
-          </a:bodyPr>
-          <a:lstStyle/>
-          <a:p>
-            <a:pPr marL="0" indent="0">
-              <a:buNone/>
-            </a:pPr>
-            <a:endParaRPr lang="hr-HR" sz="2400" dirty="0"/>
-          </a:p>
-          <a:p>
-            <a:pPr>
-              <a:buFont typeface="Arial" panose="020B0604020202020204" pitchFamily="34" charset="0"/>
-              <a:buChar char="•"/>
-            </a:pPr>
-            <a:r>
-              <a:rPr lang="hr-HR" sz="2400" dirty="0"/>
-              <a:t> Naš model: ResNet50 „okosnica” + 5 slojeva</a:t>
-            </a:r>
-          </a:p>
-          <a:p>
-            <a:pPr>
-              <a:buFont typeface="Arial" panose="020B0604020202020204" pitchFamily="34" charset="0"/>
-              <a:buChar char="•"/>
-            </a:pPr>
-            <a:r>
-              <a:rPr lang="hr-HR" sz="2400" dirty="0"/>
-              <a:t> Ukupan broj parametara: 49287557 (oko 50 milijuna, od toga otprilike pola zamrznuto)</a:t>
-            </a:r>
-          </a:p>
-        </p:txBody>
-      </p:sp>
-      <p:sp>
-        <p:nvSpPr>
-          <p:cNvPr id="9" name="TextBox 8">
-            <a:extLst>
-              <a:ext uri="{FF2B5EF4-FFF2-40B4-BE49-F238E27FC236}">
-                <a16:creationId xmlns:a16="http://schemas.microsoft.com/office/drawing/2014/main" id="{A4670BA9-F0BF-41CC-C413-F84B108DB119}"/>
-              </a:ext>
-            </a:extLst>
-          </p:cNvPr>
-          <p:cNvSpPr txBox="1"/>
-          <p:nvPr/>
-        </p:nvSpPr>
-        <p:spPr>
-          <a:xfrm>
-            <a:off x="6096000" y="1428750"/>
-            <a:ext cx="5297170" cy="641350"/>
-          </a:xfrm>
-          <a:prstGeom prst="rect">
-            <a:avLst/>
-          </a:prstGeom>
-          <a:solidFill>
-            <a:schemeClr val="bg1"/>
-          </a:solidFill>
-          <a:ln>
-            <a:solidFill>
-              <a:schemeClr val="bg1"/>
-            </a:solidFill>
-          </a:ln>
-        </p:spPr>
-        <p:style>
-          <a:lnRef idx="2">
-            <a:schemeClr val="dk1"/>
-          </a:lnRef>
-          <a:fillRef idx="1">
-            <a:schemeClr val="lt1"/>
-          </a:fillRef>
-          <a:effectRef idx="0">
-            <a:schemeClr val="dk1"/>
-          </a:effectRef>
-          <a:fontRef idx="minor">
-            <a:schemeClr val="dk1"/>
-          </a:fontRef>
-        </p:style>
-        <p:txBody>
-          <a:bodyPr wrap="square" rtlCol="0">
-            <a:spAutoFit/>
-          </a:bodyPr>
-          <a:lstStyle/>
-          <a:p>
-            <a:endParaRPr lang="hr-HR" dirty="0"/>
-          </a:p>
-        </p:txBody>
-      </p:sp>
-      <p:pic>
-        <p:nvPicPr>
-          <p:cNvPr id="7" name="Picture 6" descr="A diagram of a process flow&#10;&#10;Description automatically generated">
-            <a:extLst>
-              <a:ext uri="{FF2B5EF4-FFF2-40B4-BE49-F238E27FC236}">
-                <a16:creationId xmlns:a16="http://schemas.microsoft.com/office/drawing/2014/main" id="{F7D0F4EA-C224-02A6-C5FB-A7B6A5E6FA17}"/>
-              </a:ext>
-            </a:extLst>
-          </p:cNvPr>
-          <p:cNvPicPr>
-            <a:picLocks noChangeAspect="1"/>
-          </p:cNvPicPr>
-          <p:nvPr/>
-        </p:nvPicPr>
-        <p:blipFill>
-          <a:blip r:embed="rId2">
-            <a:extLst>
-              <a:ext uri="{28A0092B-C50C-407E-A947-70E740481C1C}">
-                <a14:useLocalDpi xmlns:a14="http://schemas.microsoft.com/office/drawing/2010/main" val="0"/>
-              </a:ext>
-            </a:extLst>
-          </a:blip>
-          <a:stretch>
-            <a:fillRect/>
-          </a:stretch>
-        </p:blipFill>
-        <p:spPr>
-          <a:xfrm>
-            <a:off x="7951308" y="286603"/>
-            <a:ext cx="3143412" cy="5829600"/>
-          </a:xfrm>
-          <a:prstGeom prst="rect">
-            <a:avLst/>
-          </a:prstGeom>
-        </p:spPr>
-      </p:pic>
-    </p:spTree>
-    <p:extLst>
-      <p:ext uri="{BB962C8B-B14F-4D97-AF65-F5344CB8AC3E}">
-        <p14:creationId xmlns:p14="http://schemas.microsoft.com/office/powerpoint/2010/main" val="1913662806"/>
-      </p:ext>
-    </p:extLst>
-  </p:cSld>
-  <p:clrMapOvr>
-    <a:masterClrMapping/>
-  </p:clrMapOvr>
-</p:sld>
-</file>
-
-<file path=ppt/slides/slide11.xml><?xml version="1.0" encoding="utf-8"?>
-<p:sld xmlns:a="http://schemas.openxmlformats.org/drawingml/2006/main" xmlns:r="http://schemas.openxmlformats.org/officeDocument/2006/relationships" xmlns:p="http://schemas.openxmlformats.org/presentationml/2006/main">
-  <p:cSld>
-    <p:spTree>
-      <p:nvGrpSpPr>
-        <p:cNvPr id="1" name=""/>
-        <p:cNvGrpSpPr/>
-        <p:nvPr/>
-      </p:nvGrpSpPr>
-      <p:grpSpPr>
-        <a:xfrm>
-          <a:off x="0" y="0"/>
-          <a:ext cx="0" cy="0"/>
-          <a:chOff x="0" y="0"/>
-          <a:chExt cx="0" cy="0"/>
-        </a:xfrm>
-      </p:grpSpPr>
-      <p:sp>
-        <p:nvSpPr>
-          <p:cNvPr id="2" name="Title 1">
-            <a:extLst>
-              <a:ext uri="{FF2B5EF4-FFF2-40B4-BE49-F238E27FC236}">
                 <a16:creationId xmlns:a16="http://schemas.microsoft.com/office/drawing/2014/main" id="{B4C59730-BB38-3A5A-02E1-F0A152C9D768}"/>
               </a:ext>
             </a:extLst>
@@ -4474,7 +4273,7 @@
 </p:sld>
 </file>
 
-<file path=ppt/slides/slide12.xml><?xml version="1.0" encoding="utf-8"?>
+<file path=ppt/slides/slide11.xml><?xml version="1.0" encoding="utf-8"?>
 <p:sld xmlns:a="http://schemas.openxmlformats.org/drawingml/2006/main" xmlns:r="http://schemas.openxmlformats.org/officeDocument/2006/relationships" xmlns:p="http://schemas.openxmlformats.org/presentationml/2006/main">
   <p:cSld>
     <p:spTree>
@@ -4671,7 +4470,7 @@
 </p:sld>
 </file>
 
-<file path=ppt/slides/slide13.xml><?xml version="1.0" encoding="utf-8"?>
+<file path=ppt/slides/slide12.xml><?xml version="1.0" encoding="utf-8"?>
 <p:sld xmlns:a="http://schemas.openxmlformats.org/drawingml/2006/main" xmlns:r="http://schemas.openxmlformats.org/officeDocument/2006/relationships" xmlns:p="http://schemas.openxmlformats.org/presentationml/2006/main">
   <p:cSld>
     <p:spTree>
@@ -4729,337 +4528,7 @@
 </p:sld>
 </file>
 
-<file path=ppt/slides/slide14.xml><?xml version="1.0" encoding="utf-8"?>
-<p:sld xmlns:a="http://schemas.openxmlformats.org/drawingml/2006/main" xmlns:r="http://schemas.openxmlformats.org/officeDocument/2006/relationships" xmlns:p="http://schemas.openxmlformats.org/presentationml/2006/main">
-  <p:cSld>
-    <p:spTree>
-      <p:nvGrpSpPr>
-        <p:cNvPr id="1" name=""/>
-        <p:cNvGrpSpPr/>
-        <p:nvPr/>
-      </p:nvGrpSpPr>
-      <p:grpSpPr>
-        <a:xfrm>
-          <a:off x="0" y="0"/>
-          <a:ext cx="0" cy="0"/>
-          <a:chOff x="0" y="0"/>
-          <a:chExt cx="0" cy="0"/>
-        </a:xfrm>
-      </p:grpSpPr>
-      <p:pic>
-        <p:nvPicPr>
-          <p:cNvPr id="7170" name="Picture 2">
-            <a:extLst>
-              <a:ext uri="{FF2B5EF4-FFF2-40B4-BE49-F238E27FC236}">
-                <a16:creationId xmlns:a16="http://schemas.microsoft.com/office/drawing/2014/main" id="{061B6661-AE89-AEC7-9A42-DDAE53D16AB2}"/>
-              </a:ext>
-            </a:extLst>
-          </p:cNvPr>
-          <p:cNvPicPr>
-            <a:picLocks noChangeAspect="1" noChangeArrowheads="1"/>
-          </p:cNvPicPr>
-          <p:nvPr/>
-        </p:nvPicPr>
-        <p:blipFill>
-          <a:blip r:embed="rId2">
-            <a:extLst>
-              <a:ext uri="{28A0092B-C50C-407E-A947-70E740481C1C}">
-                <a14:useLocalDpi xmlns:a14="http://schemas.microsoft.com/office/drawing/2010/main" val="0"/>
-              </a:ext>
-            </a:extLst>
-          </a:blip>
-          <a:srcRect/>
-          <a:stretch>
-            <a:fillRect/>
-          </a:stretch>
-        </p:blipFill>
-        <p:spPr bwMode="auto">
-          <a:xfrm>
-            <a:off x="0" y="1123950"/>
-            <a:ext cx="12192000" cy="5734050"/>
-          </a:xfrm>
-          <a:prstGeom prst="rect">
-            <a:avLst/>
-          </a:prstGeom>
-          <a:noFill/>
-          <a:extLst>
-            <a:ext uri="{909E8E84-426E-40DD-AFC4-6F175D3DCCD1}">
-              <a14:hiddenFill xmlns:a14="http://schemas.microsoft.com/office/drawing/2010/main">
-                <a:solidFill>
-                  <a:srgbClr val="FFFFFF"/>
-                </a:solidFill>
-              </a14:hiddenFill>
-            </a:ext>
-          </a:extLst>
-        </p:spPr>
-      </p:pic>
-      <p:sp>
-        <p:nvSpPr>
-          <p:cNvPr id="3" name="Rectangle 2">
-            <a:extLst>
-              <a:ext uri="{FF2B5EF4-FFF2-40B4-BE49-F238E27FC236}">
-                <a16:creationId xmlns:a16="http://schemas.microsoft.com/office/drawing/2014/main" id="{6F97D071-25E9-2F13-4D12-6323A966FD3A}"/>
-              </a:ext>
-            </a:extLst>
-          </p:cNvPr>
-          <p:cNvSpPr/>
-          <p:nvPr/>
-        </p:nvSpPr>
-        <p:spPr>
-          <a:xfrm>
-            <a:off x="0" y="6161102"/>
-            <a:ext cx="1553592" cy="696898"/>
-          </a:xfrm>
-          <a:prstGeom prst="rect">
-            <a:avLst/>
-          </a:prstGeom>
-          <a:solidFill>
-            <a:schemeClr val="bg1"/>
-          </a:solidFill>
-          <a:ln>
-            <a:noFill/>
-          </a:ln>
-        </p:spPr>
-        <p:style>
-          <a:lnRef idx="2">
-            <a:schemeClr val="accent1">
-              <a:shade val="15000"/>
-            </a:schemeClr>
-          </a:lnRef>
-          <a:fillRef idx="1">
-            <a:schemeClr val="accent1"/>
-          </a:fillRef>
-          <a:effectRef idx="0">
-            <a:schemeClr val="accent1"/>
-          </a:effectRef>
-          <a:fontRef idx="minor">
-            <a:schemeClr val="lt1"/>
-          </a:fontRef>
-        </p:style>
-        <p:txBody>
-          <a:bodyPr rtlCol="0" anchor="ctr"/>
-          <a:lstStyle/>
-          <a:p>
-            <a:pPr algn="ctr"/>
-            <a:endParaRPr lang="hr-HR"/>
-          </a:p>
-        </p:txBody>
-      </p:sp>
-      <p:sp>
-        <p:nvSpPr>
-          <p:cNvPr id="4" name="TextBox 3">
-            <a:extLst>
-              <a:ext uri="{FF2B5EF4-FFF2-40B4-BE49-F238E27FC236}">
-                <a16:creationId xmlns:a16="http://schemas.microsoft.com/office/drawing/2014/main" id="{AE44B7C5-5107-E994-324B-753B71A46227}"/>
-              </a:ext>
-            </a:extLst>
-          </p:cNvPr>
-          <p:cNvSpPr txBox="1"/>
-          <p:nvPr/>
-        </p:nvSpPr>
-        <p:spPr>
-          <a:xfrm flipH="1">
-            <a:off x="270192" y="617319"/>
-            <a:ext cx="11651616" cy="553998"/>
-          </a:xfrm>
-          <a:prstGeom prst="rect">
-            <a:avLst/>
-          </a:prstGeom>
-          <a:noFill/>
-        </p:spPr>
-        <p:txBody>
-          <a:bodyPr wrap="square" rtlCol="0">
-            <a:spAutoFit/>
-          </a:bodyPr>
-          <a:lstStyle/>
-          <a:p>
-            <a:pPr algn="ctr"/>
-            <a:r>
-              <a:rPr lang="hr-HR" sz="3000" dirty="0"/>
-              <a:t>Performanse modela ResNet50 po epohama (učenje, validacija)</a:t>
-            </a:r>
-          </a:p>
-        </p:txBody>
-      </p:sp>
-    </p:spTree>
-    <p:extLst>
-      <p:ext uri="{BB962C8B-B14F-4D97-AF65-F5344CB8AC3E}">
-        <p14:creationId xmlns:p14="http://schemas.microsoft.com/office/powerpoint/2010/main" val="2380015215"/>
-      </p:ext>
-    </p:extLst>
-  </p:cSld>
-  <p:clrMapOvr>
-    <a:masterClrMapping/>
-  </p:clrMapOvr>
-</p:sld>
-</file>
-
-<file path=ppt/slides/slide15.xml><?xml version="1.0" encoding="utf-8"?>
-<p:sld xmlns:a="http://schemas.openxmlformats.org/drawingml/2006/main" xmlns:r="http://schemas.openxmlformats.org/officeDocument/2006/relationships" xmlns:p="http://schemas.openxmlformats.org/presentationml/2006/main">
-  <p:cSld>
-    <p:spTree>
-      <p:nvGrpSpPr>
-        <p:cNvPr id="1" name=""/>
-        <p:cNvGrpSpPr/>
-        <p:nvPr/>
-      </p:nvGrpSpPr>
-      <p:grpSpPr>
-        <a:xfrm>
-          <a:off x="0" y="0"/>
-          <a:ext cx="0" cy="0"/>
-          <a:chOff x="0" y="0"/>
-          <a:chExt cx="0" cy="0"/>
-        </a:xfrm>
-      </p:grpSpPr>
-      <p:sp>
-        <p:nvSpPr>
-          <p:cNvPr id="3" name="Rectangle 2">
-            <a:extLst>
-              <a:ext uri="{FF2B5EF4-FFF2-40B4-BE49-F238E27FC236}">
-                <a16:creationId xmlns:a16="http://schemas.microsoft.com/office/drawing/2014/main" id="{6F97D071-25E9-2F13-4D12-6323A966FD3A}"/>
-              </a:ext>
-            </a:extLst>
-          </p:cNvPr>
-          <p:cNvSpPr/>
-          <p:nvPr/>
-        </p:nvSpPr>
-        <p:spPr>
-          <a:xfrm>
-            <a:off x="0" y="6161102"/>
-            <a:ext cx="1553592" cy="696898"/>
-          </a:xfrm>
-          <a:prstGeom prst="rect">
-            <a:avLst/>
-          </a:prstGeom>
-          <a:solidFill>
-            <a:schemeClr val="bg1"/>
-          </a:solidFill>
-          <a:ln>
-            <a:noFill/>
-          </a:ln>
-        </p:spPr>
-        <p:style>
-          <a:lnRef idx="2">
-            <a:schemeClr val="accent1">
-              <a:shade val="15000"/>
-            </a:schemeClr>
-          </a:lnRef>
-          <a:fillRef idx="1">
-            <a:schemeClr val="accent1"/>
-          </a:fillRef>
-          <a:effectRef idx="0">
-            <a:schemeClr val="accent1"/>
-          </a:effectRef>
-          <a:fontRef idx="minor">
-            <a:schemeClr val="lt1"/>
-          </a:fontRef>
-        </p:style>
-        <p:txBody>
-          <a:bodyPr rtlCol="0" anchor="ctr"/>
-          <a:lstStyle/>
-          <a:p>
-            <a:pPr algn="ctr"/>
-            <a:endParaRPr lang="hr-HR"/>
-          </a:p>
-        </p:txBody>
-      </p:sp>
-      <p:sp>
-        <p:nvSpPr>
-          <p:cNvPr id="4" name="TextBox 3">
-            <a:extLst>
-              <a:ext uri="{FF2B5EF4-FFF2-40B4-BE49-F238E27FC236}">
-                <a16:creationId xmlns:a16="http://schemas.microsoft.com/office/drawing/2014/main" id="{AE44B7C5-5107-E994-324B-753B71A46227}"/>
-              </a:ext>
-            </a:extLst>
-          </p:cNvPr>
-          <p:cNvSpPr txBox="1"/>
-          <p:nvPr/>
-        </p:nvSpPr>
-        <p:spPr>
-          <a:xfrm flipH="1">
-            <a:off x="270192" y="617319"/>
-            <a:ext cx="11651616" cy="553998"/>
-          </a:xfrm>
-          <a:prstGeom prst="rect">
-            <a:avLst/>
-          </a:prstGeom>
-          <a:noFill/>
-        </p:spPr>
-        <p:txBody>
-          <a:bodyPr wrap="square" rtlCol="0">
-            <a:spAutoFit/>
-          </a:bodyPr>
-          <a:lstStyle/>
-          <a:p>
-            <a:pPr algn="ctr"/>
-            <a:r>
-              <a:rPr lang="hr-HR" sz="3000" dirty="0"/>
-              <a:t>Performanse modela MobileNetV2 po epohama (učenje, validacija)</a:t>
-            </a:r>
-          </a:p>
-        </p:txBody>
-      </p:sp>
-      <p:pic>
-        <p:nvPicPr>
-          <p:cNvPr id="2" name="Picture 2">
-            <a:extLst>
-              <a:ext uri="{FF2B5EF4-FFF2-40B4-BE49-F238E27FC236}">
-                <a16:creationId xmlns:a16="http://schemas.microsoft.com/office/drawing/2014/main" id="{C45C8A25-CE63-01ED-C43B-E7337DE72159}"/>
-              </a:ext>
-            </a:extLst>
-          </p:cNvPr>
-          <p:cNvPicPr>
-            <a:picLocks noChangeAspect="1" noChangeArrowheads="1"/>
-          </p:cNvPicPr>
-          <p:nvPr/>
-        </p:nvPicPr>
-        <p:blipFill>
-          <a:blip r:embed="rId2">
-            <a:extLst>
-              <a:ext uri="{28A0092B-C50C-407E-A947-70E740481C1C}">
-                <a14:useLocalDpi xmlns:a14="http://schemas.microsoft.com/office/drawing/2010/main" val="0"/>
-              </a:ext>
-            </a:extLst>
-          </a:blip>
-          <a:srcRect/>
-          <a:stretch>
-            <a:fillRect/>
-          </a:stretch>
-        </p:blipFill>
-        <p:spPr bwMode="auto">
-          <a:xfrm>
-            <a:off x="0" y="1171317"/>
-            <a:ext cx="12192000" cy="5686683"/>
-          </a:xfrm>
-          <a:prstGeom prst="rect">
-            <a:avLst/>
-          </a:prstGeom>
-          <a:noFill/>
-          <a:extLst>
-            <a:ext uri="{909E8E84-426E-40DD-AFC4-6F175D3DCCD1}">
-              <a14:hiddenFill xmlns:a14="http://schemas.microsoft.com/office/drawing/2010/main">
-                <a:solidFill>
-                  <a:srgbClr val="FFFFFF"/>
-                </a:solidFill>
-              </a14:hiddenFill>
-            </a:ext>
-          </a:extLst>
-        </p:spPr>
-      </p:pic>
-    </p:spTree>
-    <p:extLst>
-      <p:ext uri="{BB962C8B-B14F-4D97-AF65-F5344CB8AC3E}">
-        <p14:creationId xmlns:p14="http://schemas.microsoft.com/office/powerpoint/2010/main" val="3469570541"/>
-      </p:ext>
-    </p:extLst>
-  </p:cSld>
-  <p:clrMapOvr>
-    <a:masterClrMapping/>
-  </p:clrMapOvr>
-</p:sld>
-</file>
-
-<file path=ppt/slides/slide16.xml><?xml version="1.0" encoding="utf-8"?>
+<file path=ppt/slides/slide13.xml><?xml version="1.0" encoding="utf-8"?>
 <p:sld xmlns:a="http://schemas.openxmlformats.org/drawingml/2006/main" xmlns:r="http://schemas.openxmlformats.org/officeDocument/2006/relationships" xmlns:p="http://schemas.openxmlformats.org/presentationml/2006/main">
   <p:cSld>
     <p:spTree>
@@ -5147,7 +4616,7 @@
 </p:sld>
 </file>
 
-<file path=ppt/slides/slide17.xml><?xml version="1.0" encoding="utf-8"?>
+<file path=ppt/slides/slide14.xml><?xml version="1.0" encoding="utf-8"?>
 <p:sld xmlns:a="http://schemas.openxmlformats.org/drawingml/2006/main" xmlns:r="http://schemas.openxmlformats.org/officeDocument/2006/relationships" xmlns:p="http://schemas.openxmlformats.org/presentationml/2006/main">
   <p:cSld>
     <p:spTree>
@@ -5235,7 +4704,7 @@
 </p:sld>
 </file>
 
-<file path=ppt/slides/slide18.xml><?xml version="1.0" encoding="utf-8"?>
+<file path=ppt/slides/slide15.xml><?xml version="1.0" encoding="utf-8"?>
 <p:sld xmlns:a="http://schemas.openxmlformats.org/drawingml/2006/main" xmlns:r="http://schemas.openxmlformats.org/officeDocument/2006/relationships" xmlns:p="http://schemas.openxmlformats.org/presentationml/2006/main">
   <p:cSld>
     <p:spTree>
@@ -5437,296 +4906,7 @@
 </p:sld>
 </file>
 
-<file path=ppt/slides/slide19.xml><?xml version="1.0" encoding="utf-8"?>
-<p:sld xmlns:a="http://schemas.openxmlformats.org/drawingml/2006/main" xmlns:r="http://schemas.openxmlformats.org/officeDocument/2006/relationships" xmlns:p="http://schemas.openxmlformats.org/presentationml/2006/main">
-  <p:cSld>
-    <p:spTree>
-      <p:nvGrpSpPr>
-        <p:cNvPr id="1" name=""/>
-        <p:cNvGrpSpPr/>
-        <p:nvPr/>
-      </p:nvGrpSpPr>
-      <p:grpSpPr>
-        <a:xfrm>
-          <a:off x="0" y="0"/>
-          <a:ext cx="0" cy="0"/>
-          <a:chOff x="0" y="0"/>
-          <a:chExt cx="0" cy="0"/>
-        </a:xfrm>
-      </p:grpSpPr>
-      <p:sp>
-        <p:nvSpPr>
-          <p:cNvPr id="2" name="Title 1">
-            <a:extLst>
-              <a:ext uri="{FF2B5EF4-FFF2-40B4-BE49-F238E27FC236}">
-                <a16:creationId xmlns:a16="http://schemas.microsoft.com/office/drawing/2014/main" id="{DE658C8B-61B4-D0AC-780B-F054EBC62B42}"/>
-              </a:ext>
-            </a:extLst>
-          </p:cNvPr>
-          <p:cNvSpPr>
-            <a:spLocks noGrp="1"/>
-          </p:cNvSpPr>
-          <p:nvPr>
-            <p:ph type="title"/>
-          </p:nvPr>
-        </p:nvSpPr>
-        <p:spPr/>
-        <p:txBody>
-          <a:bodyPr/>
-          <a:lstStyle/>
-          <a:p>
-            <a:r>
-              <a:rPr lang="hr-HR" dirty="0"/>
-              <a:t>Točnosti modela</a:t>
-            </a:r>
-          </a:p>
-        </p:txBody>
-      </p:sp>
-      <p:pic>
-        <p:nvPicPr>
-          <p:cNvPr id="3" name="Picture 2">
-            <a:extLst>
-              <a:ext uri="{FF2B5EF4-FFF2-40B4-BE49-F238E27FC236}">
-                <a16:creationId xmlns:a16="http://schemas.microsoft.com/office/drawing/2014/main" id="{52B67910-1B7A-FB8D-099B-DCFA97B064D0}"/>
-              </a:ext>
-            </a:extLst>
-          </p:cNvPr>
-          <p:cNvPicPr>
-            <a:picLocks noChangeAspect="1"/>
-          </p:cNvPicPr>
-          <p:nvPr/>
-        </p:nvPicPr>
-        <p:blipFill rotWithShape="1">
-          <a:blip r:embed="rId2"/>
-          <a:srcRect t="33849"/>
-          <a:stretch/>
-        </p:blipFill>
-        <p:spPr>
-          <a:xfrm>
-            <a:off x="558277" y="2016500"/>
-            <a:ext cx="11075446" cy="3679449"/>
-          </a:xfrm>
-          <a:prstGeom prst="rect">
-            <a:avLst/>
-          </a:prstGeom>
-        </p:spPr>
-      </p:pic>
-    </p:spTree>
-    <p:extLst>
-      <p:ext uri="{BB962C8B-B14F-4D97-AF65-F5344CB8AC3E}">
-        <p14:creationId xmlns:p14="http://schemas.microsoft.com/office/powerpoint/2010/main" val="2329691263"/>
-      </p:ext>
-    </p:extLst>
-  </p:cSld>
-  <p:clrMapOvr>
-    <a:masterClrMapping/>
-  </p:clrMapOvr>
-</p:sld>
-</file>
-
-<file path=ppt/slides/slide2.xml><?xml version="1.0" encoding="utf-8"?>
-<p:sld xmlns:a="http://schemas.openxmlformats.org/drawingml/2006/main" xmlns:r="http://schemas.openxmlformats.org/officeDocument/2006/relationships" xmlns:p="http://schemas.openxmlformats.org/presentationml/2006/main">
-  <p:cSld>
-    <p:spTree>
-      <p:nvGrpSpPr>
-        <p:cNvPr id="1" name=""/>
-        <p:cNvGrpSpPr/>
-        <p:nvPr/>
-      </p:nvGrpSpPr>
-      <p:grpSpPr>
-        <a:xfrm>
-          <a:off x="0" y="0"/>
-          <a:ext cx="0" cy="0"/>
-          <a:chOff x="0" y="0"/>
-          <a:chExt cx="0" cy="0"/>
-        </a:xfrm>
-      </p:grpSpPr>
-      <p:sp>
-        <p:nvSpPr>
-          <p:cNvPr id="2" name="Title 1">
-            <a:extLst>
-              <a:ext uri="{FF2B5EF4-FFF2-40B4-BE49-F238E27FC236}">
-                <a16:creationId xmlns:a16="http://schemas.microsoft.com/office/drawing/2014/main" id="{71A5D7EF-68A1-3AE9-036B-72FD16499ADC}"/>
-              </a:ext>
-            </a:extLst>
-          </p:cNvPr>
-          <p:cNvSpPr>
-            <a:spLocks noGrp="1"/>
-          </p:cNvSpPr>
-          <p:nvPr>
-            <p:ph type="title"/>
-          </p:nvPr>
-        </p:nvSpPr>
-        <p:spPr/>
-        <p:txBody>
-          <a:bodyPr/>
-          <a:lstStyle/>
-          <a:p>
-            <a:r>
-              <a:rPr lang="en-US" dirty="0" err="1"/>
-              <a:t>Sadržaj</a:t>
-            </a:r>
-            <a:endParaRPr lang="hr-HR" dirty="0"/>
-          </a:p>
-        </p:txBody>
-      </p:sp>
-      <p:sp>
-        <p:nvSpPr>
-          <p:cNvPr id="3" name="Content Placeholder 2">
-            <a:extLst>
-              <a:ext uri="{FF2B5EF4-FFF2-40B4-BE49-F238E27FC236}">
-                <a16:creationId xmlns:a16="http://schemas.microsoft.com/office/drawing/2014/main" id="{8CAA448E-33E5-6E37-6BC9-D340711D8680}"/>
-              </a:ext>
-            </a:extLst>
-          </p:cNvPr>
-          <p:cNvSpPr>
-            <a:spLocks noGrp="1"/>
-          </p:cNvSpPr>
-          <p:nvPr>
-            <p:ph idx="1"/>
-          </p:nvPr>
-        </p:nvSpPr>
-        <p:spPr>
-          <a:xfrm>
-            <a:off x="1097280" y="2024108"/>
-            <a:ext cx="10058400" cy="3844985"/>
-          </a:xfrm>
-        </p:spPr>
-        <p:txBody>
-          <a:bodyPr>
-            <a:normAutofit/>
-          </a:bodyPr>
-          <a:lstStyle/>
-          <a:p>
-            <a:pPr marL="514350" indent="-514350">
-              <a:buFont typeface="+mj-lt"/>
-              <a:buAutoNum type="arabicPeriod"/>
-            </a:pPr>
-            <a:r>
-              <a:rPr lang="en-US" sz="3200" dirty="0" err="1"/>
-              <a:t>Uvod</a:t>
-            </a:r>
-            <a:endParaRPr lang="en-US" sz="3200" dirty="0"/>
-          </a:p>
-          <a:p>
-            <a:pPr marL="514350" indent="-514350">
-              <a:buFont typeface="+mj-lt"/>
-              <a:buAutoNum type="arabicPeriod"/>
-            </a:pPr>
-            <a:r>
-              <a:rPr lang="en-US" sz="3200" dirty="0" err="1"/>
-              <a:t>Konvolucijske</a:t>
-            </a:r>
-            <a:r>
-              <a:rPr lang="en-US" sz="3200" dirty="0"/>
-              <a:t> </a:t>
-            </a:r>
-            <a:r>
-              <a:rPr lang="en-US" sz="3200" dirty="0" err="1"/>
-              <a:t>neuronske</a:t>
-            </a:r>
-            <a:r>
-              <a:rPr lang="en-US" sz="3200" dirty="0"/>
-              <a:t> </a:t>
-            </a:r>
-            <a:r>
-              <a:rPr lang="en-US" sz="3200" dirty="0" err="1"/>
-              <a:t>mreže</a:t>
-            </a:r>
-            <a:endParaRPr lang="en-US" sz="3200" dirty="0"/>
-          </a:p>
-          <a:p>
-            <a:pPr marL="514350" indent="-514350">
-              <a:buFont typeface="+mj-lt"/>
-              <a:buAutoNum type="arabicPeriod"/>
-            </a:pPr>
-            <a:r>
-              <a:rPr lang="en-US" sz="3200" dirty="0" err="1"/>
-              <a:t>Metode</a:t>
-            </a:r>
-            <a:r>
-              <a:rPr lang="en-US" sz="3200" dirty="0"/>
-              <a:t> </a:t>
-            </a:r>
-            <a:r>
-              <a:rPr lang="en-US" sz="3200" dirty="0" err="1"/>
-              <a:t>i</a:t>
-            </a:r>
-            <a:r>
-              <a:rPr lang="en-US" sz="3200" dirty="0"/>
-              <a:t> </a:t>
-            </a:r>
-            <a:r>
-              <a:rPr lang="en-US" sz="3200" dirty="0" err="1"/>
-              <a:t>materijali</a:t>
-            </a:r>
-            <a:endParaRPr lang="en-US" sz="3200" dirty="0"/>
-          </a:p>
-          <a:p>
-            <a:pPr marL="514350" indent="-514350">
-              <a:buFont typeface="+mj-lt"/>
-              <a:buAutoNum type="arabicPeriod"/>
-            </a:pPr>
-            <a:r>
-              <a:rPr lang="en-US" sz="3200" dirty="0" err="1"/>
-              <a:t>Rezultati</a:t>
-            </a:r>
-            <a:endParaRPr lang="en-US" sz="3200" dirty="0"/>
-          </a:p>
-          <a:p>
-            <a:pPr marL="514350" indent="-514350">
-              <a:buFont typeface="+mj-lt"/>
-              <a:buAutoNum type="arabicPeriod"/>
-            </a:pPr>
-            <a:r>
-              <a:rPr lang="en-US" sz="3200" dirty="0" err="1"/>
-              <a:t>Usporedba</a:t>
-            </a:r>
-            <a:r>
-              <a:rPr lang="en-US" sz="3200" dirty="0"/>
-              <a:t> s </a:t>
-            </a:r>
-            <a:r>
-              <a:rPr lang="en-US" sz="3200" dirty="0" err="1"/>
-              <a:t>prijašnjim</a:t>
-            </a:r>
-            <a:r>
-              <a:rPr lang="en-US" sz="3200" dirty="0"/>
-              <a:t> </a:t>
-            </a:r>
-            <a:r>
-              <a:rPr lang="en-US" sz="3200" dirty="0" err="1"/>
-              <a:t>radovima</a:t>
-            </a:r>
-            <a:endParaRPr lang="en-US" sz="3200" dirty="0"/>
-          </a:p>
-          <a:p>
-            <a:pPr marL="514350" indent="-514350">
-              <a:buFont typeface="+mj-lt"/>
-              <a:buAutoNum type="arabicPeriod"/>
-            </a:pPr>
-            <a:r>
-              <a:rPr lang="en-US" sz="3200" dirty="0" err="1"/>
-              <a:t>Zaključak</a:t>
-            </a:r>
-            <a:endParaRPr lang="en-US" sz="3200" dirty="0"/>
-          </a:p>
-        </p:txBody>
-      </p:sp>
-    </p:spTree>
-    <p:extLst>
-      <p:ext uri="{BB962C8B-B14F-4D97-AF65-F5344CB8AC3E}">
-        <p14:creationId xmlns:p14="http://schemas.microsoft.com/office/powerpoint/2010/main" val="3893923030"/>
-      </p:ext>
-    </p:extLst>
-  </p:cSld>
-  <p:clrMapOvr>
-    <a:masterClrMapping/>
-  </p:clrMapOvr>
-</p:sld>
-</file>
-
-<file path=ppt/slides/slide20.xml><?xml version="1.0" encoding="utf-8"?>
+<file path=ppt/slides/slide16.xml><?xml version="1.0" encoding="utf-8"?>
 <p:sld xmlns:a="http://schemas.openxmlformats.org/drawingml/2006/main" xmlns:r="http://schemas.openxmlformats.org/officeDocument/2006/relationships" xmlns:p="http://schemas.openxmlformats.org/presentationml/2006/main">
   <p:cSld>
     <p:spTree>
@@ -5814,7 +4994,7 @@
 </p:sld>
 </file>
 
-<file path=ppt/slides/slide21.xml><?xml version="1.0" encoding="utf-8"?>
+<file path=ppt/slides/slide17.xml><?xml version="1.0" encoding="utf-8"?>
 <p:sld xmlns:a="http://schemas.openxmlformats.org/drawingml/2006/main" xmlns:r="http://schemas.openxmlformats.org/officeDocument/2006/relationships" xmlns:p="http://schemas.openxmlformats.org/presentationml/2006/main">
   <p:cSld>
     <p:spTree>
@@ -6003,7 +5183,7 @@
 </p:sld>
 </file>
 
-<file path=ppt/slides/slide22.xml><?xml version="1.0" encoding="utf-8"?>
+<file path=ppt/slides/slide18.xml><?xml version="1.0" encoding="utf-8"?>
 <p:sld xmlns:a="http://schemas.openxmlformats.org/drawingml/2006/main" xmlns:r="http://schemas.openxmlformats.org/officeDocument/2006/relationships" xmlns:p="http://schemas.openxmlformats.org/presentationml/2006/main">
   <p:cSld>
     <p:spTree>
@@ -6052,6 +5232,208 @@
     <p:extLst>
       <p:ext uri="{BB962C8B-B14F-4D97-AF65-F5344CB8AC3E}">
         <p14:creationId xmlns:p14="http://schemas.microsoft.com/office/powerpoint/2010/main" val="1465367755"/>
+      </p:ext>
+    </p:extLst>
+  </p:cSld>
+  <p:clrMapOvr>
+    <a:masterClrMapping/>
+  </p:clrMapOvr>
+</p:sld>
+</file>
+
+<file path=ppt/slides/slide2.xml><?xml version="1.0" encoding="utf-8"?>
+<p:sld xmlns:a="http://schemas.openxmlformats.org/drawingml/2006/main" xmlns:r="http://schemas.openxmlformats.org/officeDocument/2006/relationships" xmlns:p="http://schemas.openxmlformats.org/presentationml/2006/main">
+  <p:cSld>
+    <p:spTree>
+      <p:nvGrpSpPr>
+        <p:cNvPr id="1" name=""/>
+        <p:cNvGrpSpPr/>
+        <p:nvPr/>
+      </p:nvGrpSpPr>
+      <p:grpSpPr>
+        <a:xfrm>
+          <a:off x="0" y="0"/>
+          <a:ext cx="0" cy="0"/>
+          <a:chOff x="0" y="0"/>
+          <a:chExt cx="0" cy="0"/>
+        </a:xfrm>
+      </p:grpSpPr>
+      <p:sp>
+        <p:nvSpPr>
+          <p:cNvPr id="2" name="Title 1">
+            <a:extLst>
+              <a:ext uri="{FF2B5EF4-FFF2-40B4-BE49-F238E27FC236}">
+                <a16:creationId xmlns:a16="http://schemas.microsoft.com/office/drawing/2014/main" id="{71A5D7EF-68A1-3AE9-036B-72FD16499ADC}"/>
+              </a:ext>
+            </a:extLst>
+          </p:cNvPr>
+          <p:cNvSpPr>
+            <a:spLocks noGrp="1"/>
+          </p:cNvSpPr>
+          <p:nvPr>
+            <p:ph type="title"/>
+          </p:nvPr>
+        </p:nvSpPr>
+        <p:spPr/>
+        <p:txBody>
+          <a:bodyPr/>
+          <a:lstStyle/>
+          <a:p>
+            <a:r>
+              <a:rPr lang="en-US" dirty="0" err="1"/>
+              <a:t>Sadržaj</a:t>
+            </a:r>
+            <a:endParaRPr lang="hr-HR" dirty="0"/>
+          </a:p>
+        </p:txBody>
+      </p:sp>
+      <p:sp>
+        <p:nvSpPr>
+          <p:cNvPr id="3" name="Content Placeholder 2">
+            <a:extLst>
+              <a:ext uri="{FF2B5EF4-FFF2-40B4-BE49-F238E27FC236}">
+                <a16:creationId xmlns:a16="http://schemas.microsoft.com/office/drawing/2014/main" id="{8CAA448E-33E5-6E37-6BC9-D340711D8680}"/>
+              </a:ext>
+            </a:extLst>
+          </p:cNvPr>
+          <p:cNvSpPr>
+            <a:spLocks noGrp="1"/>
+          </p:cNvSpPr>
+          <p:nvPr>
+            <p:ph idx="1"/>
+          </p:nvPr>
+        </p:nvSpPr>
+        <p:spPr>
+          <a:xfrm>
+            <a:off x="1097280" y="2024108"/>
+            <a:ext cx="10058400" cy="3844985"/>
+          </a:xfrm>
+        </p:spPr>
+        <p:txBody>
+          <a:bodyPr>
+            <a:normAutofit/>
+          </a:bodyPr>
+          <a:lstStyle/>
+          <a:p>
+            <a:pPr marL="514350" indent="-514350">
+              <a:buFont typeface="+mj-lt"/>
+              <a:buAutoNum type="arabicPeriod"/>
+            </a:pPr>
+            <a:r>
+              <a:rPr lang="en-US" sz="3200" dirty="0" err="1"/>
+              <a:t>Uvod</a:t>
+            </a:r>
+            <a:endParaRPr lang="en-US" sz="3200" dirty="0"/>
+          </a:p>
+          <a:p>
+            <a:pPr marL="514350" indent="-514350">
+              <a:buFont typeface="+mj-lt"/>
+              <a:buAutoNum type="arabicPeriod"/>
+            </a:pPr>
+            <a:r>
+              <a:rPr lang="en-US" sz="3200" dirty="0" err="1"/>
+              <a:t>Konvolucijske</a:t>
+            </a:r>
+            <a:r>
+              <a:rPr lang="en-US" sz="3200" dirty="0"/>
+              <a:t> </a:t>
+            </a:r>
+            <a:r>
+              <a:rPr lang="en-US" sz="3200" dirty="0" err="1"/>
+              <a:t>neuronske</a:t>
+            </a:r>
+            <a:r>
+              <a:rPr lang="en-US" sz="3200" dirty="0"/>
+              <a:t> </a:t>
+            </a:r>
+            <a:r>
+              <a:rPr lang="en-US" sz="3200" dirty="0" err="1"/>
+              <a:t>mreže</a:t>
+            </a:r>
+            <a:endParaRPr lang="en-US" sz="3200" dirty="0"/>
+          </a:p>
+          <a:p>
+            <a:pPr marL="514350" indent="-514350">
+              <a:buFont typeface="+mj-lt"/>
+              <a:buAutoNum type="arabicPeriod"/>
+            </a:pPr>
+            <a:r>
+              <a:rPr lang="en-US" sz="3200" dirty="0" err="1"/>
+              <a:t>Metode</a:t>
+            </a:r>
+            <a:r>
+              <a:rPr lang="en-US" sz="3200" dirty="0"/>
+              <a:t> </a:t>
+            </a:r>
+            <a:r>
+              <a:rPr lang="en-US" sz="3200" dirty="0" err="1"/>
+              <a:t>i</a:t>
+            </a:r>
+            <a:r>
+              <a:rPr lang="en-US" sz="3200" dirty="0"/>
+              <a:t> </a:t>
+            </a:r>
+            <a:r>
+              <a:rPr lang="en-US" sz="3200" dirty="0" err="1"/>
+              <a:t>materijali</a:t>
+            </a:r>
+            <a:endParaRPr lang="en-US" sz="3200" dirty="0"/>
+          </a:p>
+          <a:p>
+            <a:pPr marL="514350" indent="-514350">
+              <a:buFont typeface="+mj-lt"/>
+              <a:buAutoNum type="arabicPeriod"/>
+            </a:pPr>
+            <a:r>
+              <a:rPr lang="en-US" sz="3200" dirty="0" err="1"/>
+              <a:t>Rezultati</a:t>
+            </a:r>
+            <a:endParaRPr lang="en-US" sz="3200" dirty="0"/>
+          </a:p>
+          <a:p>
+            <a:pPr marL="514350" indent="-514350">
+              <a:buFont typeface="+mj-lt"/>
+              <a:buAutoNum type="arabicPeriod"/>
+            </a:pPr>
+            <a:r>
+              <a:rPr lang="en-US" sz="3200" dirty="0" err="1"/>
+              <a:t>Usporedba</a:t>
+            </a:r>
+            <a:r>
+              <a:rPr lang="en-US" sz="3200" dirty="0"/>
+              <a:t> s </a:t>
+            </a:r>
+            <a:r>
+              <a:rPr lang="en-US" sz="3200" dirty="0" err="1"/>
+              <a:t>prijašnjim</a:t>
+            </a:r>
+            <a:r>
+              <a:rPr lang="en-US" sz="3200" dirty="0"/>
+              <a:t> </a:t>
+            </a:r>
+            <a:r>
+              <a:rPr lang="en-US" sz="3200" dirty="0" err="1"/>
+              <a:t>radovima</a:t>
+            </a:r>
+            <a:endParaRPr lang="en-US" sz="3200" dirty="0"/>
+          </a:p>
+          <a:p>
+            <a:pPr marL="514350" indent="-514350">
+              <a:buFont typeface="+mj-lt"/>
+              <a:buAutoNum type="arabicPeriod"/>
+            </a:pPr>
+            <a:r>
+              <a:rPr lang="en-US" sz="3200" dirty="0" err="1"/>
+              <a:t>Zaključak</a:t>
+            </a:r>
+            <a:endParaRPr lang="en-US" sz="3200" dirty="0"/>
+          </a:p>
+        </p:txBody>
+      </p:sp>
+    </p:spTree>
+    <p:extLst>
+      <p:ext uri="{BB962C8B-B14F-4D97-AF65-F5344CB8AC3E}">
+        <p14:creationId xmlns:p14="http://schemas.microsoft.com/office/powerpoint/2010/main" val="3893923030"/>
       </p:ext>
     </p:extLst>
   </p:cSld>
@@ -6159,7 +5541,7 @@
               <a:buChar char="•"/>
             </a:pPr>
             <a:r>
-              <a:rPr lang="hr-HR" sz="2400" dirty="0"/>
+              <a:rPr lang="hr-HR" dirty="0"/>
               <a:t> Od raka svake godine obolijeva skoro 20 milijuna ljudi, a umire skoro 10 milijuna</a:t>
             </a:r>
           </a:p>
@@ -6169,18 +5551,18 @@
               <a:buChar char="•"/>
             </a:pPr>
             <a:r>
-              <a:rPr lang="hr-HR" sz="2400" dirty="0"/>
+              <a:rPr lang="hr-HR" dirty="0"/>
               <a:t> Rak pluća i slijepog crijeva čine preko 20% d</a:t>
             </a:r>
             <a:r>
-              <a:rPr lang="en-US" sz="2400" dirty="0" err="1"/>
+              <a:rPr lang="en-US" dirty="0" err="1"/>
               <a:t>ijagnosticiranih</a:t>
             </a:r>
             <a:r>
-              <a:rPr lang="hr-HR" sz="2400" dirty="0"/>
+              <a:rPr lang="hr-HR" dirty="0"/>
               <a:t> i preko 25% smrtnih slučajeva</a:t>
             </a:r>
-            <a:endParaRPr lang="en-US" sz="2400" dirty="0"/>
+            <a:endParaRPr lang="en-US" dirty="0"/>
           </a:p>
           <a:p>
             <a:pPr>
@@ -6188,92 +5570,161 @@
               <a:buChar char="•"/>
             </a:pPr>
             <a:r>
-              <a:rPr lang="en-US" sz="2400" dirty="0"/>
+              <a:rPr lang="en-US" dirty="0"/>
               <a:t> </a:t>
             </a:r>
             <a:r>
-              <a:rPr lang="en-US" sz="2400" dirty="0" err="1"/>
+              <a:rPr lang="en-US" dirty="0" err="1"/>
               <a:t>Neuronske</a:t>
             </a:r>
             <a:r>
-              <a:rPr lang="en-US" sz="2400" dirty="0"/>
+              <a:rPr lang="en-US" dirty="0"/>
               <a:t> </a:t>
             </a:r>
             <a:r>
-              <a:rPr lang="en-US" sz="2400" dirty="0" err="1"/>
+              <a:rPr lang="en-US" dirty="0" err="1"/>
               <a:t>mreže</a:t>
             </a:r>
             <a:r>
-              <a:rPr lang="en-US" sz="2400" dirty="0"/>
+              <a:rPr lang="en-US" dirty="0"/>
               <a:t> mog</a:t>
             </a:r>
             <a:r>
-              <a:rPr lang="hr-HR" sz="2400" dirty="0"/>
+              <a:rPr lang="hr-HR" dirty="0"/>
               <a:t>le bi </a:t>
             </a:r>
             <a:r>
-              <a:rPr lang="en-US" sz="2400" dirty="0" err="1"/>
+              <a:rPr lang="en-US" dirty="0" err="1"/>
               <a:t>naučiti</a:t>
             </a:r>
             <a:r>
-              <a:rPr lang="en-US" sz="2400" dirty="0"/>
+              <a:rPr lang="en-US" dirty="0"/>
               <a:t> </a:t>
             </a:r>
             <a:r>
-              <a:rPr lang="en-US" sz="2400" dirty="0" err="1"/>
+              <a:rPr lang="en-US" dirty="0" err="1"/>
               <a:t>razlikovati</a:t>
             </a:r>
             <a:r>
-              <a:rPr lang="en-US" sz="2400" dirty="0"/>
+              <a:rPr lang="en-US" dirty="0"/>
               <a:t> </a:t>
             </a:r>
             <a:r>
-              <a:rPr lang="en-US" sz="2400" dirty="0" err="1"/>
+              <a:rPr lang="en-US" dirty="0" err="1"/>
               <a:t>između</a:t>
             </a:r>
             <a:r>
-              <a:rPr lang="en-US" sz="2400" dirty="0"/>
+              <a:rPr lang="en-US" dirty="0"/>
               <a:t> </a:t>
             </a:r>
             <a:r>
-              <a:rPr lang="en-US" sz="2400" dirty="0" err="1"/>
+              <a:rPr lang="en-US" dirty="0" err="1"/>
               <a:t>benignog</a:t>
             </a:r>
             <a:r>
-              <a:rPr lang="en-US" sz="2400" dirty="0"/>
+              <a:rPr lang="en-US" dirty="0"/>
               <a:t> </a:t>
             </a:r>
             <a:r>
-              <a:rPr lang="en-US" sz="2400" dirty="0" err="1"/>
+              <a:rPr lang="en-US" dirty="0" err="1"/>
               <a:t>ili</a:t>
             </a:r>
             <a:r>
-              <a:rPr lang="en-US" sz="2400" dirty="0"/>
+              <a:rPr lang="en-US" dirty="0"/>
               <a:t> </a:t>
             </a:r>
             <a:r>
-              <a:rPr lang="en-US" sz="2400" dirty="0" err="1"/>
+              <a:rPr lang="en-US" dirty="0" err="1"/>
               <a:t>malignog</a:t>
             </a:r>
             <a:r>
-              <a:rPr lang="en-US" sz="2400" dirty="0"/>
+              <a:rPr lang="en-US" dirty="0"/>
               <a:t> </a:t>
             </a:r>
             <a:r>
-              <a:rPr lang="en-US" sz="2400" dirty="0" err="1"/>
+              <a:rPr lang="en-US" dirty="0" err="1"/>
               <a:t>tkiva</a:t>
             </a:r>
             <a:r>
-              <a:rPr lang="en-US" sz="2400" dirty="0"/>
+              <a:rPr lang="en-US" dirty="0"/>
               <a:t> </a:t>
             </a:r>
             <a:r>
-              <a:rPr lang="hr-HR" sz="2400" dirty="0"/>
+              <a:rPr lang="hr-HR" dirty="0"/>
               <a:t>i time pomoći stručnjacima u ranoj detekciji razvoja raka</a:t>
             </a:r>
           </a:p>
         </p:txBody>
       </p:sp>
+      <p:sp>
+        <p:nvSpPr>
+          <p:cNvPr id="4" name="TextBox 3">
+            <a:extLst>
+              <a:ext uri="{FF2B5EF4-FFF2-40B4-BE49-F238E27FC236}">
+                <a16:creationId xmlns:a16="http://schemas.microsoft.com/office/drawing/2014/main" id="{57E170B2-C6A2-9334-E91E-394C43B4BB48}"/>
+              </a:ext>
+            </a:extLst>
+          </p:cNvPr>
+          <p:cNvSpPr txBox="1"/>
+          <p:nvPr/>
+        </p:nvSpPr>
+        <p:spPr>
+          <a:xfrm>
+            <a:off x="0" y="6177134"/>
+            <a:ext cx="12192000" cy="680866"/>
+          </a:xfrm>
+          <a:prstGeom prst="rect">
+            <a:avLst/>
+          </a:prstGeom>
+          <a:solidFill>
+            <a:schemeClr val="bg1"/>
+          </a:solidFill>
+          <a:ln>
+            <a:solidFill>
+              <a:schemeClr val="bg1"/>
+            </a:solidFill>
+          </a:ln>
+        </p:spPr>
+        <p:txBody>
+          <a:bodyPr wrap="square" rtlCol="0">
+            <a:spAutoFit/>
+          </a:bodyPr>
+          <a:lstStyle/>
+          <a:p>
+            <a:endParaRPr lang="hr-HR" dirty="0"/>
+          </a:p>
+        </p:txBody>
+      </p:sp>
+      <p:pic>
+        <p:nvPicPr>
+          <p:cNvPr id="7" name="Picture 6">
+            <a:extLst>
+              <a:ext uri="{FF2B5EF4-FFF2-40B4-BE49-F238E27FC236}">
+                <a16:creationId xmlns:a16="http://schemas.microsoft.com/office/drawing/2014/main" id="{20E5E2C4-F504-9BBA-5233-8112A1ACB107}"/>
+              </a:ext>
+            </a:extLst>
+          </p:cNvPr>
+          <p:cNvPicPr>
+            <a:picLocks noChangeAspect="1"/>
+          </p:cNvPicPr>
+          <p:nvPr/>
+        </p:nvPicPr>
+        <p:blipFill>
+          <a:blip r:embed="rId2"/>
+          <a:stretch>
+            <a:fillRect/>
+          </a:stretch>
+        </p:blipFill>
+        <p:spPr>
+          <a:xfrm>
+            <a:off x="1465094" y="3596424"/>
+            <a:ext cx="9261812" cy="3261576"/>
+          </a:xfrm>
+          <a:prstGeom prst="rect">
+            <a:avLst/>
+          </a:prstGeom>
+        </p:spPr>
+      </p:pic>
     </p:spTree>
     <p:extLst>
       <p:ext uri="{BB962C8B-B14F-4D97-AF65-F5344CB8AC3E}">
@@ -6304,66 +5755,6 @@
           <a:chExt cx="0" cy="0"/>
         </a:xfrm>
       </p:grpSpPr>
-      <p:pic>
-        <p:nvPicPr>
-          <p:cNvPr id="7" name="Picture 6">
-            <a:extLst>
-              <a:ext uri="{FF2B5EF4-FFF2-40B4-BE49-F238E27FC236}">
-                <a16:creationId xmlns:a16="http://schemas.microsoft.com/office/drawing/2014/main" id="{20E5E2C4-F504-9BBA-5233-8112A1ACB107}"/>
-              </a:ext>
-            </a:extLst>
-          </p:cNvPr>
-          <p:cNvPicPr>
-            <a:picLocks noChangeAspect="1"/>
-          </p:cNvPicPr>
-          <p:nvPr/>
-        </p:nvPicPr>
-        <p:blipFill>
-          <a:blip r:embed="rId2"/>
-          <a:stretch>
-            <a:fillRect/>
-          </a:stretch>
-        </p:blipFill>
-        <p:spPr>
-          <a:xfrm>
-            <a:off x="257158" y="1372833"/>
-            <a:ext cx="11677683" cy="4112333"/>
-          </a:xfrm>
-          <a:prstGeom prst="rect">
-            <a:avLst/>
-          </a:prstGeom>
-        </p:spPr>
-      </p:pic>
-    </p:spTree>
-    <p:extLst>
-      <p:ext uri="{BB962C8B-B14F-4D97-AF65-F5344CB8AC3E}">
-        <p14:creationId xmlns:p14="http://schemas.microsoft.com/office/powerpoint/2010/main" val="4138336817"/>
-      </p:ext>
-    </p:extLst>
-  </p:cSld>
-  <p:clrMapOvr>
-    <a:masterClrMapping/>
-  </p:clrMapOvr>
-</p:sld>
-</file>
-
-<file path=ppt/slides/slide5.xml><?xml version="1.0" encoding="utf-8"?>
-<p:sld xmlns:a="http://schemas.openxmlformats.org/drawingml/2006/main" xmlns:r="http://schemas.openxmlformats.org/officeDocument/2006/relationships" xmlns:p="http://schemas.openxmlformats.org/presentationml/2006/main">
-  <p:cSld>
-    <p:spTree>
-      <p:nvGrpSpPr>
-        <p:cNvPr id="1" name=""/>
-        <p:cNvGrpSpPr/>
-        <p:nvPr/>
-      </p:nvGrpSpPr>
-      <p:grpSpPr>
-        <a:xfrm>
-          <a:off x="0" y="0"/>
-          <a:ext cx="0" cy="0"/>
-          <a:chOff x="0" y="0"/>
-          <a:chExt cx="0" cy="0"/>
-        </a:xfrm>
-      </p:grpSpPr>
       <p:sp>
         <p:nvSpPr>
           <p:cNvPr id="2" name="Title 1">
@@ -6515,7 +5906,7 @@
 </p:sld>
 </file>
 
-<file path=ppt/slides/slide6.xml><?xml version="1.0" encoding="utf-8"?>
+<file path=ppt/slides/slide5.xml><?xml version="1.0" encoding="utf-8"?>
 <p:sld xmlns:a="http://schemas.openxmlformats.org/drawingml/2006/main" xmlns:r="http://schemas.openxmlformats.org/officeDocument/2006/relationships" xmlns:p="http://schemas.openxmlformats.org/presentationml/2006/main">
   <p:cSld>
     <p:spTree>
@@ -6893,7 +6284,7 @@
 </p:sld>
 </file>
 
-<file path=ppt/slides/slide7.xml><?xml version="1.0" encoding="utf-8"?>
+<file path=ppt/slides/slide6.xml><?xml version="1.0" encoding="utf-8"?>
 <p:sld xmlns:a="http://schemas.openxmlformats.org/drawingml/2006/main" xmlns:r="http://schemas.openxmlformats.org/officeDocument/2006/relationships" xmlns:p="http://schemas.openxmlformats.org/presentationml/2006/main">
   <p:cSld>
     <p:spTree>
@@ -7347,7 +6738,7 @@
 </p:sld>
 </file>
 
-<file path=ppt/slides/slide8.xml><?xml version="1.0" encoding="utf-8"?>
+<file path=ppt/slides/slide7.xml><?xml version="1.0" encoding="utf-8"?>
 <p:sld xmlns:a="http://schemas.openxmlformats.org/drawingml/2006/main" xmlns:r="http://schemas.openxmlformats.org/officeDocument/2006/relationships" xmlns:p="http://schemas.openxmlformats.org/presentationml/2006/main">
   <p:cSld>
     <p:spTree>
@@ -7591,7 +6982,7 @@
 </p:sld>
 </file>
 
-<file path=ppt/slides/slide9.xml><?xml version="1.0" encoding="utf-8"?>
+<file path=ppt/slides/slide8.xml><?xml version="1.0" encoding="utf-8"?>
 <p:sld xmlns:a="http://schemas.openxmlformats.org/drawingml/2006/main" xmlns:r="http://schemas.openxmlformats.org/officeDocument/2006/relationships" xmlns:p="http://schemas.openxmlformats.org/presentationml/2006/main">
   <p:cSld>
     <p:spTree>
@@ -7749,6 +7140,203 @@
     <p:extLst>
       <p:ext uri="{BB962C8B-B14F-4D97-AF65-F5344CB8AC3E}">
         <p14:creationId xmlns:p14="http://schemas.microsoft.com/office/powerpoint/2010/main" val="642103336"/>
+      </p:ext>
+    </p:extLst>
+  </p:cSld>
+  <p:clrMapOvr>
+    <a:masterClrMapping/>
+  </p:clrMapOvr>
+</p:sld>
+</file>
+
+<file path=ppt/slides/slide9.xml><?xml version="1.0" encoding="utf-8"?>
+<p:sld xmlns:a="http://schemas.openxmlformats.org/drawingml/2006/main" xmlns:r="http://schemas.openxmlformats.org/officeDocument/2006/relationships" xmlns:p="http://schemas.openxmlformats.org/presentationml/2006/main">
+  <p:cSld>
+    <p:spTree>
+      <p:nvGrpSpPr>
+        <p:cNvPr id="1" name=""/>
+        <p:cNvGrpSpPr/>
+        <p:nvPr/>
+      </p:nvGrpSpPr>
+      <p:grpSpPr>
+        <a:xfrm>
+          <a:off x="0" y="0"/>
+          <a:ext cx="0" cy="0"/>
+          <a:chOff x="0" y="0"/>
+          <a:chExt cx="0" cy="0"/>
+        </a:xfrm>
+      </p:grpSpPr>
+      <p:sp>
+        <p:nvSpPr>
+          <p:cNvPr id="2" name="Title 1">
+            <a:extLst>
+              <a:ext uri="{FF2B5EF4-FFF2-40B4-BE49-F238E27FC236}">
+                <a16:creationId xmlns:a16="http://schemas.microsoft.com/office/drawing/2014/main" id="{B8BD7227-55B5-96B7-382D-7212D9E4A5E7}"/>
+              </a:ext>
+            </a:extLst>
+          </p:cNvPr>
+          <p:cNvSpPr>
+            <a:spLocks noGrp="1"/>
+          </p:cNvSpPr>
+          <p:nvPr>
+            <p:ph type="title"/>
+          </p:nvPr>
+        </p:nvSpPr>
+        <p:spPr/>
+        <p:txBody>
+          <a:bodyPr/>
+          <a:lstStyle/>
+          <a:p>
+            <a:r>
+              <a:rPr lang="hr-HR" dirty="0"/>
+              <a:t>ResNet50</a:t>
+            </a:r>
+          </a:p>
+        </p:txBody>
+      </p:sp>
+      <p:sp>
+        <p:nvSpPr>
+          <p:cNvPr id="3" name="Content Placeholder 2">
+            <a:extLst>
+              <a:ext uri="{FF2B5EF4-FFF2-40B4-BE49-F238E27FC236}">
+                <a16:creationId xmlns:a16="http://schemas.microsoft.com/office/drawing/2014/main" id="{7B50F27A-7071-992F-3781-58C1E330527F}"/>
+              </a:ext>
+            </a:extLst>
+          </p:cNvPr>
+          <p:cNvSpPr>
+            <a:spLocks noGrp="1"/>
+          </p:cNvSpPr>
+          <p:nvPr>
+            <p:ph sz="half" idx="1"/>
+          </p:nvPr>
+        </p:nvSpPr>
+        <p:spPr/>
+        <p:txBody>
+          <a:bodyPr>
+            <a:normAutofit/>
+          </a:bodyPr>
+          <a:lstStyle/>
+          <a:p>
+            <a:pPr marL="0" indent="0">
+              <a:buNone/>
+            </a:pPr>
+            <a:endParaRPr lang="hr-HR" sz="2400" dirty="0"/>
+          </a:p>
+          <a:p>
+            <a:pPr>
+              <a:buFont typeface="Arial" panose="020B0604020202020204" pitchFamily="34" charset="0"/>
+              <a:buChar char="•"/>
+            </a:pPr>
+            <a:r>
+              <a:rPr lang="hr-HR" sz="2400" dirty="0"/>
+              <a:t> Naš model: ResNet50 „okosnica” + 5 slojeva</a:t>
+            </a:r>
+          </a:p>
+          <a:p>
+            <a:pPr>
+              <a:buFont typeface="Arial" panose="020B0604020202020204" pitchFamily="34" charset="0"/>
+              <a:buChar char="•"/>
+            </a:pPr>
+            <a:r>
+              <a:rPr lang="hr-HR" sz="2400" dirty="0"/>
+              <a:t> Ukupan broj parametara: 49287557 (oko 50 milijuna, od toga otprilike pola zamrznuto)</a:t>
+            </a:r>
+          </a:p>
+        </p:txBody>
+      </p:sp>
+      <p:sp>
+        <p:nvSpPr>
+          <p:cNvPr id="9" name="TextBox 8">
+            <a:extLst>
+              <a:ext uri="{FF2B5EF4-FFF2-40B4-BE49-F238E27FC236}">
+                <a16:creationId xmlns:a16="http://schemas.microsoft.com/office/drawing/2014/main" id="{A4670BA9-F0BF-41CC-C413-F84B108DB119}"/>
+              </a:ext>
+            </a:extLst>
+          </p:cNvPr>
+          <p:cNvSpPr txBox="1"/>
+          <p:nvPr/>
+        </p:nvSpPr>
+        <p:spPr>
+          <a:xfrm>
+            <a:off x="6096000" y="1428750"/>
+            <a:ext cx="5297170" cy="641350"/>
+          </a:xfrm>
+          <a:prstGeom prst="rect">
+            <a:avLst/>
+          </a:prstGeom>
+          <a:solidFill>
+            <a:schemeClr val="bg1"/>
+          </a:solidFill>
+          <a:ln>
+            <a:solidFill>
+              <a:schemeClr val="bg1"/>
+            </a:solidFill>
+          </a:ln>
+        </p:spPr>
+        <p:style>
+          <a:lnRef idx="2">
+            <a:schemeClr val="dk1"/>
+          </a:lnRef>
+          <a:fillRef idx="1">
+            <a:schemeClr val="lt1"/>
+          </a:fillRef>
+          <a:effectRef idx="0">
+            <a:schemeClr val="dk1"/>
+          </a:effectRef>
+          <a:fontRef idx="minor">
+            <a:schemeClr val="dk1"/>
+          </a:fontRef>
+        </p:style>
+        <p:txBody>
+          <a:bodyPr wrap="square" rtlCol="0">
+            <a:spAutoFit/>
+          </a:bodyPr>
+          <a:lstStyle/>
+          <a:p>
+            <a:endParaRPr lang="hr-HR" dirty="0"/>
+          </a:p>
+        </p:txBody>
+      </p:sp>
+      <p:pic>
+        <p:nvPicPr>
+          <p:cNvPr id="7" name="Picture 6" descr="A diagram of a process flow&#10;&#10;Description automatically generated">
+            <a:extLst>
+              <a:ext uri="{FF2B5EF4-FFF2-40B4-BE49-F238E27FC236}">
+                <a16:creationId xmlns:a16="http://schemas.microsoft.com/office/drawing/2014/main" id="{F7D0F4EA-C224-02A6-C5FB-A7B6A5E6FA17}"/>
+              </a:ext>
+            </a:extLst>
+          </p:cNvPr>
+          <p:cNvPicPr>
+            <a:picLocks noChangeAspect="1"/>
+          </p:cNvPicPr>
+          <p:nvPr/>
+        </p:nvPicPr>
+        <p:blipFill>
+          <a:blip r:embed="rId2">
+            <a:extLst>
+              <a:ext uri="{28A0092B-C50C-407E-A947-70E740481C1C}">
+                <a14:useLocalDpi xmlns:a14="http://schemas.microsoft.com/office/drawing/2010/main" val="0"/>
+              </a:ext>
+            </a:extLst>
+          </a:blip>
+          <a:stretch>
+            <a:fillRect/>
+          </a:stretch>
+        </p:blipFill>
+        <p:spPr>
+          <a:xfrm>
+            <a:off x="7951308" y="286603"/>
+            <a:ext cx="3143412" cy="5829600"/>
+          </a:xfrm>
+          <a:prstGeom prst="rect">
+            <a:avLst/>
+          </a:prstGeom>
+        </p:spPr>
+      </p:pic>
+    </p:spTree>
+    <p:extLst>
+      <p:ext uri="{BB962C8B-B14F-4D97-AF65-F5344CB8AC3E}">
+        <p14:creationId xmlns:p14="http://schemas.microsoft.com/office/powerpoint/2010/main" val="1913662806"/>
       </p:ext>
     </p:extLst>
   </p:cSld>
